--- a/images/cover.pptx
+++ b/images/cover.pptx
@@ -305,7 +305,7 @@
           <a:p>
             <a:fld id="{5AE03579-EA08-45BD-B4CA-6BBECB0ECE1D}" type="datetimeFigureOut">
               <a:rPr lang="fr-FR" smtClean="0"/>
-              <a:t>07/07/2021</a:t>
+              <a:t>31/08/2021</a:t>
             </a:fld>
             <a:endParaRPr lang="fr-FR"/>
           </a:p>
@@ -533,7 +533,7 @@
           <a:p>
             <a:fld id="{5AE03579-EA08-45BD-B4CA-6BBECB0ECE1D}" type="datetimeFigureOut">
               <a:rPr lang="fr-FR" smtClean="0"/>
-              <a:t>07/07/2021</a:t>
+              <a:t>31/08/2021</a:t>
             </a:fld>
             <a:endParaRPr lang="fr-FR"/>
           </a:p>
@@ -932,7 +932,7 @@
           <a:p>
             <a:fld id="{5AE03579-EA08-45BD-B4CA-6BBECB0ECE1D}" type="datetimeFigureOut">
               <a:rPr lang="fr-FR" smtClean="0"/>
-              <a:t>07/07/2021</a:t>
+              <a:t>31/08/2021</a:t>
             </a:fld>
             <a:endParaRPr lang="fr-FR"/>
           </a:p>
@@ -1266,7 +1266,7 @@
           <a:p>
             <a:fld id="{5AE03579-EA08-45BD-B4CA-6BBECB0ECE1D}" type="datetimeFigureOut">
               <a:rPr lang="fr-FR" smtClean="0"/>
-              <a:t>07/07/2021</a:t>
+              <a:t>31/08/2021</a:t>
             </a:fld>
             <a:endParaRPr lang="fr-FR"/>
           </a:p>
@@ -1584,7 +1584,7 @@
           <a:p>
             <a:fld id="{5AE03579-EA08-45BD-B4CA-6BBECB0ECE1D}" type="datetimeFigureOut">
               <a:rPr lang="fr-FR" smtClean="0"/>
-              <a:t>07/07/2021</a:t>
+              <a:t>31/08/2021</a:t>
             </a:fld>
             <a:endParaRPr lang="fr-FR"/>
           </a:p>
@@ -1978,7 +1978,7 @@
           <a:p>
             <a:fld id="{5AE03579-EA08-45BD-B4CA-6BBECB0ECE1D}" type="datetimeFigureOut">
               <a:rPr lang="fr-FR" smtClean="0"/>
-              <a:t>07/07/2021</a:t>
+              <a:t>31/08/2021</a:t>
             </a:fld>
             <a:endParaRPr lang="fr-FR"/>
           </a:p>
@@ -2233,7 +2233,7 @@
           <a:p>
             <a:fld id="{5AE03579-EA08-45BD-B4CA-6BBECB0ECE1D}" type="datetimeFigureOut">
               <a:rPr lang="fr-FR" smtClean="0"/>
-              <a:t>07/07/2021</a:t>
+              <a:t>31/08/2021</a:t>
             </a:fld>
             <a:endParaRPr lang="fr-FR"/>
           </a:p>
@@ -2493,7 +2493,7 @@
           <a:p>
             <a:fld id="{5AE03579-EA08-45BD-B4CA-6BBECB0ECE1D}" type="datetimeFigureOut">
               <a:rPr lang="fr-FR" smtClean="0"/>
-              <a:t>07/07/2021</a:t>
+              <a:t>31/08/2021</a:t>
             </a:fld>
             <a:endParaRPr lang="fr-FR"/>
           </a:p>
@@ -2753,7 +2753,7 @@
           <a:p>
             <a:fld id="{5AE03579-EA08-45BD-B4CA-6BBECB0ECE1D}" type="datetimeFigureOut">
               <a:rPr lang="fr-FR" smtClean="0"/>
-              <a:t>07/07/2021</a:t>
+              <a:t>31/08/2021</a:t>
             </a:fld>
             <a:endParaRPr lang="fr-FR"/>
           </a:p>
@@ -3080,7 +3080,7 @@
           <a:p>
             <a:fld id="{5AE03579-EA08-45BD-B4CA-6BBECB0ECE1D}" type="datetimeFigureOut">
               <a:rPr lang="fr-FR" smtClean="0"/>
-              <a:t>07/07/2021</a:t>
+              <a:t>31/08/2021</a:t>
             </a:fld>
             <a:endParaRPr lang="fr-FR"/>
           </a:p>
@@ -3401,7 +3401,7 @@
           <a:p>
             <a:fld id="{5AE03579-EA08-45BD-B4CA-6BBECB0ECE1D}" type="datetimeFigureOut">
               <a:rPr lang="fr-FR" smtClean="0"/>
-              <a:t>07/07/2021</a:t>
+              <a:t>31/08/2021</a:t>
             </a:fld>
             <a:endParaRPr lang="fr-FR"/>
           </a:p>
@@ -3856,7 +3856,7 @@
           <a:p>
             <a:fld id="{5AE03579-EA08-45BD-B4CA-6BBECB0ECE1D}" type="datetimeFigureOut">
               <a:rPr lang="fr-FR" smtClean="0"/>
-              <a:t>07/07/2021</a:t>
+              <a:t>31/08/2021</a:t>
             </a:fld>
             <a:endParaRPr lang="fr-FR"/>
           </a:p>
@@ -4064,7 +4064,7 @@
           <a:p>
             <a:fld id="{5AE03579-EA08-45BD-B4CA-6BBECB0ECE1D}" type="datetimeFigureOut">
               <a:rPr lang="fr-FR" smtClean="0"/>
-              <a:t>07/07/2021</a:t>
+              <a:t>31/08/2021</a:t>
             </a:fld>
             <a:endParaRPr lang="fr-FR"/>
           </a:p>
@@ -4239,7 +4239,7 @@
           <a:p>
             <a:fld id="{5AE03579-EA08-45BD-B4CA-6BBECB0ECE1D}" type="datetimeFigureOut">
               <a:rPr lang="fr-FR" smtClean="0"/>
-              <a:t>07/07/2021</a:t>
+              <a:t>31/08/2021</a:t>
             </a:fld>
             <a:endParaRPr lang="fr-FR"/>
           </a:p>
@@ -4570,7 +4570,7 @@
           <a:p>
             <a:fld id="{5AE03579-EA08-45BD-B4CA-6BBECB0ECE1D}" type="datetimeFigureOut">
               <a:rPr lang="fr-FR" smtClean="0"/>
-              <a:t>07/07/2021</a:t>
+              <a:t>31/08/2021</a:t>
             </a:fld>
             <a:endParaRPr lang="fr-FR"/>
           </a:p>
@@ -4913,7 +4913,7 @@
           <a:p>
             <a:fld id="{5AE03579-EA08-45BD-B4CA-6BBECB0ECE1D}" type="datetimeFigureOut">
               <a:rPr lang="fr-FR" smtClean="0"/>
-              <a:t>07/07/2021</a:t>
+              <a:t>31/08/2021</a:t>
             </a:fld>
             <a:endParaRPr lang="fr-FR"/>
           </a:p>
@@ -7028,7 +7028,7 @@
           <a:p>
             <a:fld id="{5AE03579-EA08-45BD-B4CA-6BBECB0ECE1D}" type="datetimeFigureOut">
               <a:rPr lang="fr-FR" smtClean="0"/>
-              <a:t>07/07/2021</a:t>
+              <a:t>31/08/2021</a:t>
             </a:fld>
             <a:endParaRPr lang="fr-FR"/>
           </a:p>
@@ -7577,15 +7577,7 @@
                 <a:latin typeface="Arial" panose="020B0604020202020204" pitchFamily="34" charset="0"/>
                 <a:cs typeface="Arial" panose="020B0604020202020204" pitchFamily="34" charset="0"/>
               </a:rPr>
-              <a:t>Du </a:t>
-            </a:r>
-            <a:r>
-              <a:rPr lang="fr-FR" sz="1200" dirty="0" smtClean="0">
-                <a:effectLst/>
-                <a:latin typeface="Arial" panose="020B0604020202020204" pitchFamily="34" charset="0"/>
-                <a:cs typeface="Arial" panose="020B0604020202020204" pitchFamily="34" charset="0"/>
-              </a:rPr>
-              <a:t>1</a:t>
+              <a:t>Du 1</a:t>
             </a:r>
             <a:r>
               <a:rPr lang="fr-FR" sz="1200" baseline="30000" dirty="0" smtClean="0">
@@ -7603,11 +7595,6 @@
               </a:rPr>
               <a:t> mars au 31 août 2021</a:t>
             </a:r>
-            <a:endParaRPr lang="fr-FR" sz="1200" dirty="0" smtClean="0">
-              <a:effectLst/>
-              <a:latin typeface="Arial" panose="020B0604020202020204" pitchFamily="34" charset="0"/>
-              <a:cs typeface="Arial" panose="020B0604020202020204" pitchFamily="34" charset="0"/>
-            </a:endParaRPr>
           </a:p>
           <a:p>
             <a:pPr algn="ctr">
@@ -7708,7 +7695,23 @@
                 <a:latin typeface="Arial" panose="020B0604020202020204" pitchFamily="34" charset="0"/>
                 <a:cs typeface="Arial" panose="020B0604020202020204" pitchFamily="34" charset="0"/>
               </a:rPr>
-              <a:t>soutenu le 10 septembre 2021, devant la commission d'examen :</a:t>
+              <a:t>soutenu le </a:t>
+            </a:r>
+            <a:r>
+              <a:rPr lang="fr-FR" sz="1200" dirty="0" smtClean="0">
+                <a:effectLst/>
+                <a:latin typeface="Arial" panose="020B0604020202020204" pitchFamily="34" charset="0"/>
+                <a:cs typeface="Arial" panose="020B0604020202020204" pitchFamily="34" charset="0"/>
+              </a:rPr>
+              <a:t>9 </a:t>
+            </a:r>
+            <a:r>
+              <a:rPr lang="fr-FR" sz="1200" dirty="0" smtClean="0">
+                <a:effectLst/>
+                <a:latin typeface="Arial" panose="020B0604020202020204" pitchFamily="34" charset="0"/>
+                <a:cs typeface="Arial" panose="020B0604020202020204" pitchFamily="34" charset="0"/>
+              </a:rPr>
+              <a:t>septembre 2021, devant la commission d'examen :</a:t>
             </a:r>
           </a:p>
         </p:txBody>
@@ -7891,23 +7894,7 @@
                 <a:latin typeface="Arial" panose="020B0604020202020204" pitchFamily="34" charset="0"/>
                 <a:cs typeface="Arial" panose="020B0604020202020204" pitchFamily="34" charset="0"/>
               </a:rPr>
-              <a:t>MÉMOIRE </a:t>
-            </a:r>
-            <a:r>
-              <a:rPr lang="fr-FR" sz="1600" dirty="0" smtClean="0">
-                <a:effectLst/>
-                <a:latin typeface="Arial" panose="020B0604020202020204" pitchFamily="34" charset="0"/>
-                <a:cs typeface="Arial" panose="020B0604020202020204" pitchFamily="34" charset="0"/>
-              </a:rPr>
-              <a:t>sur le </a:t>
-            </a:r>
-            <a:r>
-              <a:rPr lang="fr-FR" sz="1600" dirty="0" smtClean="0">
-                <a:effectLst/>
-                <a:latin typeface="Arial" panose="020B0604020202020204" pitchFamily="34" charset="0"/>
-                <a:cs typeface="Arial" panose="020B0604020202020204" pitchFamily="34" charset="0"/>
-              </a:rPr>
-              <a:t>stage : </a:t>
+              <a:t>MÉMOIRE sur le stage : </a:t>
             </a:r>
           </a:p>
           <a:p>
@@ -7944,11 +7931,6 @@
               </a:rPr>
               <a:t>-MS</a:t>
             </a:r>
-            <a:endParaRPr lang="fr-FR" sz="1600" dirty="0" smtClean="0">
-              <a:effectLst/>
-              <a:latin typeface="Arial" panose="020B0604020202020204" pitchFamily="34" charset="0"/>
-              <a:cs typeface="Arial" panose="020B0604020202020204" pitchFamily="34" charset="0"/>
-            </a:endParaRPr>
           </a:p>
         </p:txBody>
       </p:sp>
